--- a/fingerprinting.pptx
+++ b/fingerprinting.pptx
@@ -7,13 +7,16 @@
     <p:sldMasterId id="2147483753" r:id="rId3"/>
   </p:sldMasterIdLst>
   <p:notesMasterIdLst>
-    <p:notesMasterId r:id="rId5"/>
+    <p:notesMasterId r:id="rId8"/>
   </p:notesMasterIdLst>
   <p:handoutMasterIdLst>
-    <p:handoutMasterId r:id="rId6"/>
+    <p:handoutMasterId r:id="rId9"/>
   </p:handoutMasterIdLst>
   <p:sldIdLst>
     <p:sldId id="257" r:id="rId4"/>
+    <p:sldId id="260" r:id="rId5"/>
+    <p:sldId id="258" r:id="rId6"/>
+    <p:sldId id="261" r:id="rId7"/>
   </p:sldIdLst>
   <p:sldSz cx="12192000" cy="6858000"/>
   <p:notesSz cx="6858000" cy="9144000"/>
@@ -723,6 +726,91 @@
     </a:lvl9pPr>
   </p:notesStyle>
 </p:notesMaster>
+</file>
+
+<file path=ppt/notesSlides/notesSlide1.xml><?xml version="1.0" encoding="utf-8"?>
+<p:notes xmlns:a="http://schemas.openxmlformats.org/drawingml/2006/main" xmlns:r="http://schemas.openxmlformats.org/officeDocument/2006/relationships" xmlns:p="http://schemas.openxmlformats.org/presentationml/2006/main">
+  <p:cSld>
+    <p:spTree>
+      <p:nvGrpSpPr>
+        <p:cNvPr id="1" name=""/>
+        <p:cNvGrpSpPr/>
+        <p:nvPr/>
+      </p:nvGrpSpPr>
+      <p:grpSpPr>
+        <a:xfrm>
+          <a:off x="0" y="0"/>
+          <a:ext cx="0" cy="0"/>
+          <a:chOff x="0" y="0"/>
+          <a:chExt cx="0" cy="0"/>
+        </a:xfrm>
+      </p:grpSpPr>
+      <p:sp>
+        <p:nvSpPr>
+          <p:cNvPr id="2" name="Folienbildplatzhalter 1"/>
+          <p:cNvSpPr>
+            <a:spLocks noGrp="1" noRot="1" noChangeAspect="1"/>
+          </p:cNvSpPr>
+          <p:nvPr>
+            <p:ph type="sldImg"/>
+          </p:nvPr>
+        </p:nvSpPr>
+        <p:spPr/>
+      </p:sp>
+      <p:sp>
+        <p:nvSpPr>
+          <p:cNvPr id="3" name="Notizenplatzhalter 2"/>
+          <p:cNvSpPr>
+            <a:spLocks noGrp="1"/>
+          </p:cNvSpPr>
+          <p:nvPr>
+            <p:ph type="body" idx="1"/>
+          </p:nvPr>
+        </p:nvSpPr>
+        <p:spPr/>
+        <p:txBody>
+          <a:bodyPr/>
+          <a:lstStyle/>
+          <a:p>
+            <a:endParaRPr lang="de-DE" dirty="0"/>
+          </a:p>
+        </p:txBody>
+      </p:sp>
+      <p:sp>
+        <p:nvSpPr>
+          <p:cNvPr id="4" name="Foliennummernplatzhalter 3"/>
+          <p:cNvSpPr>
+            <a:spLocks noGrp="1"/>
+          </p:cNvSpPr>
+          <p:nvPr>
+            <p:ph type="sldNum" sz="quarter" idx="10"/>
+          </p:nvPr>
+        </p:nvSpPr>
+        <p:spPr/>
+        <p:txBody>
+          <a:bodyPr/>
+          <a:lstStyle/>
+          <a:p>
+            <a:fld id="{2CA3AB2B-189A-4C92-A457-C6A3833631A7}" type="slidenum">
+              <a:rPr lang="en-US" smtClean="0"/>
+              <a:pPr/>
+              <a:t>2</a:t>
+            </a:fld>
+            <a:endParaRPr lang="en-US"/>
+          </a:p>
+        </p:txBody>
+      </p:sp>
+    </p:spTree>
+    <p:extLst>
+      <p:ext uri="{BB962C8B-B14F-4D97-AF65-F5344CB8AC3E}">
+        <p14:creationId xmlns:p14="http://schemas.microsoft.com/office/powerpoint/2010/main" val="3863715293"/>
+      </p:ext>
+    </p:extLst>
+  </p:cSld>
+  <p:clrMapOvr>
+    <a:masterClrMapping/>
+  </p:clrMapOvr>
+</p:notes>
 </file>
 
 <file path=ppt/slideLayouts/slideLayout1.xml><?xml version="1.0" encoding="utf-8"?>
@@ -32072,6 +32160,643 @@
 </p:sld>
 </file>
 
+<file path=ppt/slides/slide2.xml><?xml version="1.0" encoding="utf-8"?>
+<p:sld xmlns:a="http://schemas.openxmlformats.org/drawingml/2006/main" xmlns:r="http://schemas.openxmlformats.org/officeDocument/2006/relationships" xmlns:p="http://schemas.openxmlformats.org/presentationml/2006/main">
+  <p:cSld>
+    <p:spTree>
+      <p:nvGrpSpPr>
+        <p:cNvPr id="1" name=""/>
+        <p:cNvGrpSpPr/>
+        <p:nvPr/>
+      </p:nvGrpSpPr>
+      <p:grpSpPr>
+        <a:xfrm>
+          <a:off x="0" y="0"/>
+          <a:ext cx="0" cy="0"/>
+          <a:chOff x="0" y="0"/>
+          <a:chExt cx="0" cy="0"/>
+        </a:xfrm>
+      </p:grpSpPr>
+      <p:pic>
+        <p:nvPicPr>
+          <p:cNvPr id="8" name="Bildplatzhalter 7"/>
+          <p:cNvPicPr>
+            <a:picLocks noGrp="1" noChangeAspect="1"/>
+          </p:cNvPicPr>
+          <p:nvPr>
+            <p:ph type="pic" sz="quarter" idx="13"/>
+          </p:nvPr>
+        </p:nvPicPr>
+        <p:blipFill>
+          <a:blip r:embed="rId3" cstate="print">
+            <a:extLst>
+              <a:ext uri="{28A0092B-C50C-407E-A947-70E740481C1C}">
+                <a14:useLocalDpi xmlns:a14="http://schemas.microsoft.com/office/drawing/2010/main" val="0"/>
+              </a:ext>
+            </a:extLst>
+          </a:blip>
+          <a:srcRect t="3855" b="3855"/>
+          <a:stretch>
+            <a:fillRect/>
+          </a:stretch>
+        </p:blipFill>
+        <p:spPr>
+          <a:xfrm>
+            <a:off x="1079500" y="692150"/>
+            <a:ext cx="10033000" cy="5473700"/>
+          </a:xfrm>
+        </p:spPr>
+      </p:pic>
+      <p:sp>
+        <p:nvSpPr>
+          <p:cNvPr id="6" name="Titel 5"/>
+          <p:cNvSpPr>
+            <a:spLocks noGrp="1"/>
+          </p:cNvSpPr>
+          <p:nvPr>
+            <p:ph type="title"/>
+          </p:nvPr>
+        </p:nvSpPr>
+        <p:spPr>
+          <a:xfrm>
+            <a:off x="7056784" y="5589240"/>
+            <a:ext cx="5231904" cy="1077253"/>
+          </a:xfrm>
+        </p:spPr>
+        <p:txBody>
+          <a:bodyPr>
+            <a:noAutofit/>
+          </a:bodyPr>
+          <a:lstStyle/>
+          <a:p>
+            <a:r>
+              <a:rPr lang="de-DE" sz="11500" dirty="0" smtClean="0"/>
+              <a:t>Basics</a:t>
+            </a:r>
+            <a:endParaRPr lang="de-DE" sz="11500" dirty="0"/>
+          </a:p>
+        </p:txBody>
+      </p:sp>
+    </p:spTree>
+    <p:extLst>
+      <p:ext uri="{BB962C8B-B14F-4D97-AF65-F5344CB8AC3E}">
+        <p14:creationId xmlns:p14="http://schemas.microsoft.com/office/powerpoint/2010/main" val="996577842"/>
+      </p:ext>
+    </p:extLst>
+  </p:cSld>
+  <p:clrMapOvr>
+    <a:masterClrMapping/>
+  </p:clrMapOvr>
+  <p:timing>
+    <p:tnLst>
+      <p:par>
+        <p:cTn id="1" dur="indefinite" restart="never" nodeType="tmRoot"/>
+      </p:par>
+    </p:tnLst>
+  </p:timing>
+</p:sld>
+</file>
+
+<file path=ppt/slides/slide3.xml><?xml version="1.0" encoding="utf-8"?>
+<p:sld xmlns:a="http://schemas.openxmlformats.org/drawingml/2006/main" xmlns:r="http://schemas.openxmlformats.org/officeDocument/2006/relationships" xmlns:p="http://schemas.openxmlformats.org/presentationml/2006/main">
+  <p:cSld>
+    <p:spTree>
+      <p:nvGrpSpPr>
+        <p:cNvPr id="1" name=""/>
+        <p:cNvGrpSpPr/>
+        <p:nvPr/>
+      </p:nvGrpSpPr>
+      <p:grpSpPr>
+        <a:xfrm>
+          <a:off x="0" y="0"/>
+          <a:ext cx="0" cy="0"/>
+          <a:chOff x="0" y="0"/>
+          <a:chExt cx="0" cy="0"/>
+        </a:xfrm>
+      </p:grpSpPr>
+      <p:sp>
+        <p:nvSpPr>
+          <p:cNvPr id="2" name="Titel 1"/>
+          <p:cNvSpPr>
+            <a:spLocks noGrp="1"/>
+          </p:cNvSpPr>
+          <p:nvPr>
+            <p:ph type="title"/>
+          </p:nvPr>
+        </p:nvSpPr>
+        <p:spPr/>
+        <p:txBody>
+          <a:bodyPr/>
+          <a:lstStyle/>
+          <a:p>
+            <a:r>
+              <a:rPr lang="de-DE" dirty="0" smtClean="0"/>
+              <a:t>ASCII</a:t>
+            </a:r>
+            <a:endParaRPr lang="de-DE" dirty="0"/>
+          </a:p>
+        </p:txBody>
+      </p:sp>
+      <p:graphicFrame>
+        <p:nvGraphicFramePr>
+          <p:cNvPr id="9" name="Inhaltsplatzhalter 8"/>
+          <p:cNvGraphicFramePr>
+            <a:graphicFrameLocks noGrp="1"/>
+          </p:cNvGraphicFramePr>
+          <p:nvPr>
+            <p:ph idx="1"/>
+            <p:extLst>
+              <p:ext uri="{D42A27DB-BD31-4B8C-83A1-F6EECF244321}">
+                <p14:modId xmlns:p14="http://schemas.microsoft.com/office/powerpoint/2010/main" val="1220200894"/>
+              </p:ext>
+            </p:extLst>
+          </p:nvPr>
+        </p:nvGraphicFramePr>
+        <p:xfrm>
+          <a:off x="838200" y="1825629"/>
+          <a:ext cx="10515600" cy="4411682"/>
+        </p:xfrm>
+        <a:graphic>
+          <a:graphicData uri="http://schemas.openxmlformats.org/drawingml/2006/table">
+            <a:tbl>
+              <a:tblPr firstRow="1" bandRow="1">
+                <a:tableStyleId>{5C22544A-7EE6-4342-B048-85BDC9FD1C3A}</a:tableStyleId>
+              </a:tblPr>
+              <a:tblGrid>
+                <a:gridCol w="5257800"/>
+                <a:gridCol w="5257800"/>
+              </a:tblGrid>
+              <a:tr h="401062">
+                <a:tc>
+                  <a:txBody>
+                    <a:bodyPr/>
+                    <a:lstStyle/>
+                    <a:p>
+                      <a:pPr algn="ctr"/>
+                      <a:r>
+                        <a:rPr lang="de-DE" dirty="0" smtClean="0"/>
+                        <a:t>Buchstabe</a:t>
+                      </a:r>
+                      <a:endParaRPr lang="de-DE" dirty="0"/>
+                    </a:p>
+                  </a:txBody>
+                  <a:tcPr/>
+                </a:tc>
+                <a:tc>
+                  <a:txBody>
+                    <a:bodyPr/>
+                    <a:lstStyle/>
+                    <a:p>
+                      <a:pPr algn="ctr"/>
+                      <a:r>
+                        <a:rPr lang="de-DE" dirty="0" smtClean="0"/>
+                        <a:t>ASCII</a:t>
+                      </a:r>
+                      <a:endParaRPr lang="de-DE" dirty="0"/>
+                    </a:p>
+                  </a:txBody>
+                  <a:tcPr/>
+                </a:tc>
+              </a:tr>
+              <a:tr h="401062">
+                <a:tc>
+                  <a:txBody>
+                    <a:bodyPr/>
+                    <a:lstStyle/>
+                    <a:p>
+                      <a:pPr algn="ctr"/>
+                      <a:r>
+                        <a:rPr lang="de-DE" dirty="0" smtClean="0"/>
+                        <a:t>F</a:t>
+                      </a:r>
+                      <a:endParaRPr lang="de-DE" dirty="0"/>
+                    </a:p>
+                  </a:txBody>
+                  <a:tcPr/>
+                </a:tc>
+                <a:tc>
+                  <a:txBody>
+                    <a:bodyPr/>
+                    <a:lstStyle/>
+                    <a:p>
+                      <a:pPr algn="ctr"/>
+                      <a:r>
+                        <a:rPr lang="de-DE" dirty="0" smtClean="0"/>
+                        <a:t>70</a:t>
+                      </a:r>
+                      <a:endParaRPr lang="de-DE" dirty="0"/>
+                    </a:p>
+                  </a:txBody>
+                  <a:tcPr/>
+                </a:tc>
+              </a:tr>
+              <a:tr h="401062">
+                <a:tc>
+                  <a:txBody>
+                    <a:bodyPr/>
+                    <a:lstStyle/>
+                    <a:p>
+                      <a:pPr algn="ctr"/>
+                      <a:r>
+                        <a:rPr lang="de-DE" dirty="0" smtClean="0"/>
+                        <a:t>A</a:t>
+                      </a:r>
+                      <a:endParaRPr lang="de-DE" dirty="0"/>
+                    </a:p>
+                  </a:txBody>
+                  <a:tcPr/>
+                </a:tc>
+                <a:tc>
+                  <a:txBody>
+                    <a:bodyPr/>
+                    <a:lstStyle/>
+                    <a:p>
+                      <a:pPr algn="ctr"/>
+                      <a:r>
+                        <a:rPr lang="de-DE" dirty="0" smtClean="0"/>
+                        <a:t>65</a:t>
+                      </a:r>
+                      <a:endParaRPr lang="de-DE" dirty="0"/>
+                    </a:p>
+                  </a:txBody>
+                  <a:tcPr/>
+                </a:tc>
+              </a:tr>
+              <a:tr h="401062">
+                <a:tc>
+                  <a:txBody>
+                    <a:bodyPr/>
+                    <a:lstStyle/>
+                    <a:p>
+                      <a:pPr algn="ctr"/>
+                      <a:r>
+                        <a:rPr lang="de-DE" dirty="0" smtClean="0"/>
+                        <a:t>L</a:t>
+                      </a:r>
+                      <a:endParaRPr lang="de-DE" dirty="0"/>
+                    </a:p>
+                  </a:txBody>
+                  <a:tcPr/>
+                </a:tc>
+                <a:tc>
+                  <a:txBody>
+                    <a:bodyPr/>
+                    <a:lstStyle/>
+                    <a:p>
+                      <a:pPr algn="ctr"/>
+                      <a:r>
+                        <a:rPr lang="de-DE" dirty="0" smtClean="0"/>
+                        <a:t>76</a:t>
+                      </a:r>
+                      <a:endParaRPr lang="de-DE" dirty="0"/>
+                    </a:p>
+                  </a:txBody>
+                  <a:tcPr/>
+                </a:tc>
+              </a:tr>
+              <a:tr h="401062">
+                <a:tc>
+                  <a:txBody>
+                    <a:bodyPr/>
+                    <a:lstStyle/>
+                    <a:p>
+                      <a:pPr algn="ctr"/>
+                      <a:r>
+                        <a:rPr lang="de-DE" dirty="0" smtClean="0"/>
+                        <a:t>T</a:t>
+                      </a:r>
+                      <a:endParaRPr lang="de-DE" dirty="0"/>
+                    </a:p>
+                  </a:txBody>
+                  <a:tcPr/>
+                </a:tc>
+                <a:tc>
+                  <a:txBody>
+                    <a:bodyPr/>
+                    <a:lstStyle/>
+                    <a:p>
+                      <a:pPr algn="ctr"/>
+                      <a:r>
+                        <a:rPr lang="de-DE" dirty="0" smtClean="0"/>
+                        <a:t>84</a:t>
+                      </a:r>
+                      <a:endParaRPr lang="de-DE" dirty="0"/>
+                    </a:p>
+                  </a:txBody>
+                  <a:tcPr/>
+                </a:tc>
+              </a:tr>
+              <a:tr h="401062">
+                <a:tc>
+                  <a:txBody>
+                    <a:bodyPr/>
+                    <a:lstStyle/>
+                    <a:p>
+                      <a:pPr algn="ctr"/>
+                      <a:r>
+                        <a:rPr lang="de-DE" dirty="0" smtClean="0"/>
+                        <a:t>E</a:t>
+                      </a:r>
+                      <a:endParaRPr lang="de-DE" dirty="0"/>
+                    </a:p>
+                  </a:txBody>
+                  <a:tcPr/>
+                </a:tc>
+                <a:tc>
+                  <a:txBody>
+                    <a:bodyPr/>
+                    <a:lstStyle/>
+                    <a:p>
+                      <a:pPr algn="ctr"/>
+                      <a:r>
+                        <a:rPr lang="de-DE" dirty="0" smtClean="0"/>
+                        <a:t>96</a:t>
+                      </a:r>
+                      <a:endParaRPr lang="de-DE" dirty="0"/>
+                    </a:p>
+                  </a:txBody>
+                  <a:tcPr/>
+                </a:tc>
+              </a:tr>
+              <a:tr h="401062">
+                <a:tc>
+                  <a:txBody>
+                    <a:bodyPr/>
+                    <a:lstStyle/>
+                    <a:p>
+                      <a:pPr algn="ctr"/>
+                      <a:r>
+                        <a:rPr lang="de-DE" dirty="0" smtClean="0"/>
+                        <a:t>N</a:t>
+                      </a:r>
+                      <a:endParaRPr lang="de-DE" dirty="0"/>
+                    </a:p>
+                  </a:txBody>
+                  <a:tcPr/>
+                </a:tc>
+                <a:tc>
+                  <a:txBody>
+                    <a:bodyPr/>
+                    <a:lstStyle/>
+                    <a:p>
+                      <a:pPr algn="ctr"/>
+                      <a:r>
+                        <a:rPr lang="de-DE" dirty="0" smtClean="0"/>
+                        <a:t>78</a:t>
+                      </a:r>
+                      <a:endParaRPr lang="de-DE" dirty="0"/>
+                    </a:p>
+                  </a:txBody>
+                  <a:tcPr/>
+                </a:tc>
+              </a:tr>
+              <a:tr h="401062">
+                <a:tc>
+                  <a:txBody>
+                    <a:bodyPr/>
+                    <a:lstStyle/>
+                    <a:p>
+                      <a:pPr algn="ctr"/>
+                      <a:r>
+                        <a:rPr lang="de-DE" dirty="0" smtClean="0"/>
+                        <a:t>R</a:t>
+                      </a:r>
+                      <a:endParaRPr lang="de-DE" dirty="0"/>
+                    </a:p>
+                  </a:txBody>
+                  <a:tcPr/>
+                </a:tc>
+                <a:tc>
+                  <a:txBody>
+                    <a:bodyPr/>
+                    <a:lstStyle/>
+                    <a:p>
+                      <a:pPr algn="ctr"/>
+                      <a:r>
+                        <a:rPr lang="de-DE" dirty="0" smtClean="0"/>
+                        <a:t>82</a:t>
+                      </a:r>
+                      <a:endParaRPr lang="de-DE" dirty="0"/>
+                    </a:p>
+                  </a:txBody>
+                  <a:tcPr/>
+                </a:tc>
+              </a:tr>
+              <a:tr h="401062">
+                <a:tc>
+                  <a:txBody>
+                    <a:bodyPr/>
+                    <a:lstStyle/>
+                    <a:p>
+                      <a:pPr algn="ctr"/>
+                      <a:r>
+                        <a:rPr lang="de-DE" dirty="0" smtClean="0"/>
+                        <a:t>O</a:t>
+                      </a:r>
+                      <a:endParaRPr lang="de-DE" dirty="0"/>
+                    </a:p>
+                  </a:txBody>
+                  <a:tcPr/>
+                </a:tc>
+                <a:tc>
+                  <a:txBody>
+                    <a:bodyPr/>
+                    <a:lstStyle/>
+                    <a:p>
+                      <a:pPr algn="ctr"/>
+                      <a:r>
+                        <a:rPr lang="de-DE" dirty="0" smtClean="0"/>
+                        <a:t>79</a:t>
+                      </a:r>
+                      <a:endParaRPr lang="de-DE" dirty="0"/>
+                    </a:p>
+                  </a:txBody>
+                  <a:tcPr/>
+                </a:tc>
+              </a:tr>
+              <a:tr h="401062">
+                <a:tc>
+                  <a:txBody>
+                    <a:bodyPr/>
+                    <a:lstStyle/>
+                    <a:p>
+                      <a:pPr algn="ctr"/>
+                      <a:r>
+                        <a:rPr lang="de-DE" dirty="0" smtClean="0"/>
+                        <a:t>C</a:t>
+                      </a:r>
+                      <a:endParaRPr lang="de-DE" dirty="0"/>
+                    </a:p>
+                  </a:txBody>
+                  <a:tcPr/>
+                </a:tc>
+                <a:tc>
+                  <a:txBody>
+                    <a:bodyPr/>
+                    <a:lstStyle/>
+                    <a:p>
+                      <a:pPr algn="ctr"/>
+                      <a:r>
+                        <a:rPr lang="de-DE" dirty="0" smtClean="0"/>
+                        <a:t>67</a:t>
+                      </a:r>
+                      <a:endParaRPr lang="de-DE" dirty="0"/>
+                    </a:p>
+                  </a:txBody>
+                  <a:tcPr/>
+                </a:tc>
+              </a:tr>
+              <a:tr h="401062">
+                <a:tc>
+                  <a:txBody>
+                    <a:bodyPr/>
+                    <a:lstStyle/>
+                    <a:p>
+                      <a:pPr algn="ctr"/>
+                      <a:r>
+                        <a:rPr lang="de-DE" dirty="0" smtClean="0"/>
+                        <a:t>K</a:t>
+                      </a:r>
+                      <a:endParaRPr lang="de-DE" dirty="0"/>
+                    </a:p>
+                  </a:txBody>
+                  <a:tcPr/>
+                </a:tc>
+                <a:tc>
+                  <a:txBody>
+                    <a:bodyPr/>
+                    <a:lstStyle/>
+                    <a:p>
+                      <a:pPr algn="ctr"/>
+                      <a:r>
+                        <a:rPr lang="de-DE" dirty="0" smtClean="0"/>
+                        <a:t>75</a:t>
+                      </a:r>
+                      <a:endParaRPr lang="de-DE" dirty="0"/>
+                    </a:p>
+                  </a:txBody>
+                  <a:tcPr/>
+                </a:tc>
+              </a:tr>
+            </a:tbl>
+          </a:graphicData>
+        </a:graphic>
+      </p:graphicFrame>
+    </p:spTree>
+    <p:extLst>
+      <p:ext uri="{BB962C8B-B14F-4D97-AF65-F5344CB8AC3E}">
+        <p14:creationId xmlns:p14="http://schemas.microsoft.com/office/powerpoint/2010/main" val="604962472"/>
+      </p:ext>
+    </p:extLst>
+  </p:cSld>
+  <p:clrMapOvr>
+    <a:masterClrMapping/>
+  </p:clrMapOvr>
+  <p:timing>
+    <p:tnLst>
+      <p:par>
+        <p:cTn id="1" dur="indefinite" restart="never" nodeType="tmRoot"/>
+      </p:par>
+    </p:tnLst>
+  </p:timing>
+</p:sld>
+</file>
+
+<file path=ppt/slides/slide4.xml><?xml version="1.0" encoding="utf-8"?>
+<p:sld xmlns:a="http://schemas.openxmlformats.org/drawingml/2006/main" xmlns:r="http://schemas.openxmlformats.org/officeDocument/2006/relationships" xmlns:p="http://schemas.openxmlformats.org/presentationml/2006/main">
+  <p:cSld>
+    <p:spTree>
+      <p:nvGrpSpPr>
+        <p:cNvPr id="1" name=""/>
+        <p:cNvGrpSpPr/>
+        <p:nvPr/>
+      </p:nvGrpSpPr>
+      <p:grpSpPr>
+        <a:xfrm>
+          <a:off x="0" y="0"/>
+          <a:ext cx="0" cy="0"/>
+          <a:chOff x="0" y="0"/>
+          <a:chExt cx="0" cy="0"/>
+        </a:xfrm>
+      </p:grpSpPr>
+      <p:pic>
+        <p:nvPicPr>
+          <p:cNvPr id="9" name="Bildplatzhalter 8"/>
+          <p:cNvPicPr>
+            <a:picLocks noGrp="1" noChangeAspect="1"/>
+          </p:cNvPicPr>
+          <p:nvPr>
+            <p:ph type="pic" sz="quarter" idx="13"/>
+          </p:nvPr>
+        </p:nvPicPr>
+        <p:blipFill rotWithShape="1">
+          <a:blip r:embed="rId2" cstate="print">
+            <a:extLst>
+              <a:ext uri="{28A0092B-C50C-407E-A947-70E740481C1C}">
+                <a14:useLocalDpi xmlns:a14="http://schemas.microsoft.com/office/drawing/2010/main" val="0"/>
+              </a:ext>
+            </a:extLst>
+          </a:blip>
+          <a:srcRect l="240" t="42458" r="-240" b="17104"/>
+          <a:stretch/>
+        </p:blipFill>
+        <p:spPr>
+          <a:xfrm>
+            <a:off x="1079500" y="980728"/>
+            <a:ext cx="10033000" cy="5400600"/>
+          </a:xfrm>
+        </p:spPr>
+      </p:pic>
+      <p:sp>
+        <p:nvSpPr>
+          <p:cNvPr id="6" name="Titel 5"/>
+          <p:cNvSpPr>
+            <a:spLocks noGrp="1"/>
+          </p:cNvSpPr>
+          <p:nvPr>
+            <p:ph type="title"/>
+          </p:nvPr>
+        </p:nvSpPr>
+        <p:spPr>
+          <a:xfrm>
+            <a:off x="119336" y="407531"/>
+            <a:ext cx="7050284" cy="1077253"/>
+          </a:xfrm>
+        </p:spPr>
+        <p:txBody>
+          <a:bodyPr>
+            <a:normAutofit/>
+          </a:bodyPr>
+          <a:lstStyle/>
+          <a:p>
+            <a:r>
+              <a:rPr lang="de-DE" sz="6000" dirty="0" smtClean="0"/>
+              <a:t>MODULO DIVISION</a:t>
+            </a:r>
+            <a:endParaRPr lang="de-DE" sz="6000" dirty="0"/>
+          </a:p>
+        </p:txBody>
+      </p:sp>
+    </p:spTree>
+    <p:extLst>
+      <p:ext uri="{BB962C8B-B14F-4D97-AF65-F5344CB8AC3E}">
+        <p14:creationId xmlns:p14="http://schemas.microsoft.com/office/powerpoint/2010/main" val="3530843793"/>
+      </p:ext>
+    </p:extLst>
+  </p:cSld>
+  <p:clrMapOvr>
+    <a:masterClrMapping/>
+  </p:clrMapOvr>
+  <p:timing>
+    <p:tnLst>
+      <p:par>
+        <p:cTn id="1" dur="indefinite" restart="never" nodeType="tmRoot"/>
+      </p:par>
+    </p:tnLst>
+  </p:timing>
+</p:sld>
+</file>
+
 <file path=ppt/theme/theme1.xml><?xml version="1.0" encoding="utf-8"?>
 <a:theme xmlns:a="http://schemas.openxmlformats.org/drawingml/2006/main" name="ORIGAMI - SHOWEET">
   <a:themeElements>
